--- a/_site/assets/images/L3-rocket/altitude-plot.pptx
+++ b/_site/assets/images/L3-rocket/altitude-plot.pptx
@@ -2971,47 +2971,208 @@
           <a:chExt cx="0" cy="0"/>
         </a:xfrm>
       </p:grpSpPr>
-      <p:pic>
-        <p:nvPicPr>
-          <p:cNvPr id="2" name="Picture 1">
+      <p:grpSp>
+        <p:nvGrpSpPr>
+          <p:cNvPr id="7" name="Group 6">
             <a:extLst>
               <a:ext uri="{FF2B5EF4-FFF2-40B4-BE49-F238E27FC236}">
-                <a16:creationId xmlns:a16="http://schemas.microsoft.com/office/drawing/2014/main" id="{D30C7A85-C898-4420-B2A0-008B75D39062}"/>
+                <a16:creationId xmlns:a16="http://schemas.microsoft.com/office/drawing/2014/main" id="{645785DA-7ADF-0395-D918-B2A4240857B2}"/>
               </a:ext>
             </a:extLst>
           </p:cNvPr>
-          <p:cNvPicPr>
-            <a:picLocks noChangeAspect="1"/>
-          </p:cNvPicPr>
+          <p:cNvGrpSpPr/>
           <p:nvPr/>
-        </p:nvPicPr>
-        <p:blipFill>
-          <a:blip r:embed="rId2">
-            <a:extLst>
-              <a:ext uri="{28A0092B-C50C-407E-A947-70E740481C1C}">
-                <a14:useLocalDpi xmlns:a14="http://schemas.microsoft.com/office/drawing/2010/main" val="0"/>
-              </a:ext>
-            </a:extLst>
-          </a:blip>
-          <a:srcRect/>
-          <a:stretch>
-            <a:fillRect/>
-          </a:stretch>
-        </p:blipFill>
-        <p:spPr bwMode="auto">
+        </p:nvGrpSpPr>
+        <p:grpSpPr>
           <a:xfrm>
             <a:off x="1" y="1690295"/>
             <a:ext cx="5486400" cy="4113042"/>
+            <a:chOff x="1" y="1690295"/>
+            <a:chExt cx="5486400" cy="4113042"/>
           </a:xfrm>
-          <a:prstGeom prst="rect">
-            <a:avLst/>
-          </a:prstGeom>
-          <a:noFill/>
-          <a:ln>
+        </p:grpSpPr>
+        <p:pic>
+          <p:nvPicPr>
+            <p:cNvPr id="2" name="Picture 1">
+              <a:extLst>
+                <a:ext uri="{FF2B5EF4-FFF2-40B4-BE49-F238E27FC236}">
+                  <a16:creationId xmlns:a16="http://schemas.microsoft.com/office/drawing/2014/main" id="{D30C7A85-C898-4420-B2A0-008B75D39062}"/>
+                </a:ext>
+              </a:extLst>
+            </p:cNvPr>
+            <p:cNvPicPr>
+              <a:picLocks noChangeAspect="1"/>
+            </p:cNvPicPr>
+            <p:nvPr/>
+          </p:nvPicPr>
+          <p:blipFill>
+            <a:blip r:embed="rId2">
+              <a:extLst>
+                <a:ext uri="{28A0092B-C50C-407E-A947-70E740481C1C}">
+                  <a14:useLocalDpi xmlns:a14="http://schemas.microsoft.com/office/drawing/2010/main" val="0"/>
+                </a:ext>
+              </a:extLst>
+            </a:blip>
+            <a:srcRect/>
+            <a:stretch>
+              <a:fillRect/>
+            </a:stretch>
+          </p:blipFill>
+          <p:spPr bwMode="auto">
+            <a:xfrm>
+              <a:off x="1" y="1690295"/>
+              <a:ext cx="5486400" cy="4113042"/>
+            </a:xfrm>
+            <a:prstGeom prst="rect">
+              <a:avLst/>
+            </a:prstGeom>
             <a:noFill/>
-          </a:ln>
-        </p:spPr>
-      </p:pic>
+            <a:ln>
+              <a:noFill/>
+            </a:ln>
+          </p:spPr>
+        </p:pic>
+        <p:sp>
+          <p:nvSpPr>
+            <p:cNvPr id="3" name="TextBox 2">
+              <a:extLst>
+                <a:ext uri="{FF2B5EF4-FFF2-40B4-BE49-F238E27FC236}">
+                  <a16:creationId xmlns:a16="http://schemas.microsoft.com/office/drawing/2014/main" id="{FFEB7671-CAC1-EEBE-47EA-F821E5A726EA}"/>
+                </a:ext>
+              </a:extLst>
+            </p:cNvPr>
+            <p:cNvSpPr txBox="1"/>
+            <p:nvPr/>
+          </p:nvSpPr>
+          <p:spPr>
+            <a:xfrm>
+              <a:off x="1311640" y="2016178"/>
+              <a:ext cx="1726755" cy="261610"/>
+            </a:xfrm>
+            <a:prstGeom prst="rect">
+              <a:avLst/>
+            </a:prstGeom>
+            <a:noFill/>
+          </p:spPr>
+          <p:txBody>
+            <a:bodyPr wrap="none" rtlCol="0">
+              <a:spAutoFit/>
+            </a:bodyPr>
+            <a:lstStyle/>
+            <a:p>
+              <a:r>
+                <a:rPr lang="en-US" sz="1100" dirty="0"/>
+                <a:t>Apogee and drogue deploy</a:t>
+              </a:r>
+            </a:p>
+          </p:txBody>
+        </p:sp>
+        <p:sp>
+          <p:nvSpPr>
+            <p:cNvPr id="4" name="TextBox 3">
+              <a:extLst>
+                <a:ext uri="{FF2B5EF4-FFF2-40B4-BE49-F238E27FC236}">
+                  <a16:creationId xmlns:a16="http://schemas.microsoft.com/office/drawing/2014/main" id="{E74C1266-B041-4C44-B347-41A204F2C328}"/>
+                </a:ext>
+              </a:extLst>
+            </p:cNvPr>
+            <p:cNvSpPr txBox="1"/>
+            <p:nvPr/>
+          </p:nvSpPr>
+          <p:spPr>
+            <a:xfrm>
+              <a:off x="3487712" y="4537024"/>
+              <a:ext cx="1253869" cy="261610"/>
+            </a:xfrm>
+            <a:prstGeom prst="rect">
+              <a:avLst/>
+            </a:prstGeom>
+            <a:noFill/>
+          </p:spPr>
+          <p:txBody>
+            <a:bodyPr wrap="none" rtlCol="0">
+              <a:spAutoFit/>
+            </a:bodyPr>
+            <a:lstStyle/>
+            <a:p>
+              <a:r>
+                <a:rPr lang="en-US" sz="1100" dirty="0"/>
+                <a:t>Main chute deploy</a:t>
+              </a:r>
+            </a:p>
+          </p:txBody>
+        </p:sp>
+        <p:sp>
+          <p:nvSpPr>
+            <p:cNvPr id="5" name="TextBox 4">
+              <a:extLst>
+                <a:ext uri="{FF2B5EF4-FFF2-40B4-BE49-F238E27FC236}">
+                  <a16:creationId xmlns:a16="http://schemas.microsoft.com/office/drawing/2014/main" id="{6AC8FC18-B04E-B232-1DD8-456E8FB888D7}"/>
+                </a:ext>
+              </a:extLst>
+            </p:cNvPr>
+            <p:cNvSpPr txBox="1"/>
+            <p:nvPr/>
+          </p:nvSpPr>
+          <p:spPr>
+            <a:xfrm>
+              <a:off x="4418935" y="4836109"/>
+              <a:ext cx="630301" cy="261610"/>
+            </a:xfrm>
+            <a:prstGeom prst="rect">
+              <a:avLst/>
+            </a:prstGeom>
+            <a:noFill/>
+          </p:spPr>
+          <p:txBody>
+            <a:bodyPr wrap="none" rtlCol="0">
+              <a:spAutoFit/>
+            </a:bodyPr>
+            <a:lstStyle/>
+            <a:p>
+              <a:r>
+                <a:rPr lang="en-US" sz="1100" dirty="0"/>
+                <a:t>Landing</a:t>
+              </a:r>
+            </a:p>
+          </p:txBody>
+        </p:sp>
+        <p:sp>
+          <p:nvSpPr>
+            <p:cNvPr id="6" name="TextBox 5">
+              <a:extLst>
+                <a:ext uri="{FF2B5EF4-FFF2-40B4-BE49-F238E27FC236}">
+                  <a16:creationId xmlns:a16="http://schemas.microsoft.com/office/drawing/2014/main" id="{5755450D-AF72-4DB9-4359-1EA7B1930E0C}"/>
+                </a:ext>
+              </a:extLst>
+            </p:cNvPr>
+            <p:cNvSpPr txBox="1"/>
+            <p:nvPr/>
+          </p:nvSpPr>
+          <p:spPr>
+            <a:xfrm>
+              <a:off x="704821" y="4863764"/>
+              <a:ext cx="591829" cy="261610"/>
+            </a:xfrm>
+            <a:prstGeom prst="rect">
+              <a:avLst/>
+            </a:prstGeom>
+            <a:noFill/>
+          </p:spPr>
+          <p:txBody>
+            <a:bodyPr wrap="none" rtlCol="0">
+              <a:spAutoFit/>
+            </a:bodyPr>
+            <a:lstStyle/>
+            <a:p>
+              <a:r>
+                <a:rPr lang="en-US" sz="1100" dirty="0"/>
+                <a:t>Launch</a:t>
+              </a:r>
+            </a:p>
+          </p:txBody>
+        </p:sp>
+      </p:grpSp>
     </p:spTree>
     <p:extLst>
       <p:ext uri="{BB962C8B-B14F-4D97-AF65-F5344CB8AC3E}">
